--- a/Progetto3.0/CommuniTEDx_3.0.pptx
+++ b/Progetto3.0/CommuniTEDx_3.0.pptx
@@ -40167,9 +40167,10 @@
               <a:t>Functions</a:t>
             </a:r>
             <a:r>
-              <a:rPr lang="it-IT" dirty="0"/>
-              <a:t> previste:</a:t>
+              <a:rPr lang="it-IT"/>
+              <a:t> :</a:t>
             </a:r>
+            <a:endParaRPr lang="it-IT" dirty="0"/>
           </a:p>
           <a:p>
             <a:pPr marL="152400" indent="0">

--- a/Progetto3.0/CommuniTEDx_3.0.pptx
+++ b/Progetto3.0/CommuniTEDx_3.0.pptx
@@ -38360,8 +38360,8 @@
         </p:nvSpPr>
         <p:spPr>
           <a:xfrm>
-            <a:off x="742642" y="1870061"/>
-            <a:ext cx="6138811" cy="1031548"/>
+            <a:off x="742642" y="1870060"/>
+            <a:ext cx="6138811" cy="1969589"/>
           </a:xfrm>
           <a:prstGeom prst="rect">
             <a:avLst/>
@@ -38383,7 +38383,21 @@
             </a:pPr>
             <a:r>
               <a:rPr lang="en" sz="3200" dirty="0"/>
-              <a:t>Sviluppo delle Lambda Functions</a:t>
+              <a:t>Sviluppo delle Lambda Functions e</a:t>
+            </a:r>
+          </a:p>
+          <a:p>
+            <a:pPr marL="0" lvl="0" indent="0" algn="l" rtl="0">
+              <a:spcBef>
+                <a:spcPts val="0"/>
+              </a:spcBef>
+              <a:spcAft>
+                <a:spcPts val="0"/>
+              </a:spcAft>
+            </a:pPr>
+            <a:r>
+              <a:rPr lang="en" sz="3200" dirty="0"/>
+              <a:t>API Gateway in AWS</a:t>
             </a:r>
           </a:p>
         </p:txBody>
@@ -40143,7 +40157,7 @@
             </a:pPr>
             <a:r>
               <a:rPr lang="it-IT" dirty="0"/>
-              <a:t>La parte 3 del progetto consiste nello sviluppo di Lambda </a:t>
+              <a:t>La terza parte del progetto consiste nello sviluppo di Lambda </a:t>
             </a:r>
             <a:r>
               <a:rPr lang="it-IT" dirty="0" err="1"/>
@@ -40151,7 +40165,7 @@
             </a:r>
             <a:r>
               <a:rPr lang="it-IT" dirty="0"/>
-              <a:t> previste nell’architettura del sistema .</a:t>
+              <a:t> previste nell’architettura del sistema.</a:t>
             </a:r>
           </a:p>
           <a:p>
@@ -40167,10 +40181,9 @@
               <a:t>Functions</a:t>
             </a:r>
             <a:r>
-              <a:rPr lang="it-IT"/>
+              <a:rPr lang="it-IT" dirty="0"/>
               <a:t> :</a:t>
             </a:r>
-            <a:endParaRPr lang="it-IT" dirty="0"/>
           </a:p>
           <a:p>
             <a:pPr marL="152400" indent="0">
@@ -40185,7 +40198,7 @@
             </a:pPr>
             <a:r>
               <a:rPr lang="it-IT" dirty="0"/>
-              <a:t>Video suggeriti ( </a:t>
+              <a:t>Video suggeriti (</a:t>
             </a:r>
             <a:r>
               <a:rPr lang="it-IT" dirty="0" err="1"/>
@@ -40209,7 +40222,7 @@
             </a:r>
             <a:r>
               <a:rPr lang="it-IT" dirty="0"/>
-              <a:t> )</a:t>
+              <a:t>)</a:t>
             </a:r>
           </a:p>
           <a:p>
@@ -40259,7 +40272,7 @@
             </a:pPr>
             <a:r>
               <a:rPr lang="it-IT" dirty="0"/>
-              <a:t>La seconda, seleziona i Talk che rispettano i tags indicati dall’utente</a:t>
+              <a:t>La seconda seleziona i Talk che rispettano i tags indicati dall’utente</a:t>
             </a:r>
           </a:p>
           <a:p>
@@ -40404,7 +40417,7 @@
                 </a:solidFill>
                 <a:latin typeface="Montserrat" panose="00000500000000000000" pitchFamily="2" charset="0"/>
               </a:rPr>
-              <a:t> ( </a:t>
+              <a:t> (</a:t>
             </a:r>
             <a:r>
               <a:rPr lang="it-IT" b="0" i="0" u="none" strike="noStrike" baseline="0" dirty="0" err="1">
@@ -40422,7 +40435,7 @@
                 </a:solidFill>
                 <a:latin typeface="Montserrat" panose="00000500000000000000" pitchFamily="2" charset="0"/>
               </a:rPr>
-              <a:t> ) permette, una volta cercato un video tramite </a:t>
+              <a:t>) permette, una volta cercato un video tramite </a:t>
             </a:r>
             <a:r>
               <a:rPr lang="it-IT" b="0" i="0" u="none" strike="noStrike" baseline="0" dirty="0" err="1">
@@ -40866,7 +40879,7 @@
                 </a:solidFill>
                 <a:latin typeface="Montserrat" panose="00000500000000000000" pitchFamily="2" charset="0"/>
               </a:rPr>
-              <a:t> ( </a:t>
+              <a:t> (</a:t>
             </a:r>
             <a:r>
               <a:rPr lang="it-IT" dirty="0" err="1">
@@ -40884,7 +40897,7 @@
                 </a:solidFill>
                 <a:latin typeface="Montserrat" panose="00000500000000000000" pitchFamily="2" charset="0"/>
               </a:rPr>
-              <a:t> ) impostando come </a:t>
+              <a:t>) impostando come </a:t>
             </a:r>
             <a:r>
               <a:rPr lang="it-IT" dirty="0" err="1">
@@ -42053,7 +42066,7 @@
             </a:r>
             <a:r>
               <a:rPr lang="it-IT" dirty="0"/>
-              <a:t> viene mappato su attributi specifici. Vengono selezionati, quindi, solo gli attributi utili ai fini dello sviluppo della relativa funzione.</a:t>
+              <a:t> viene mappato su attributi specifici e vengono selezionati solo quelli utili ai fini dello sviluppo della relativa funzione.</a:t>
             </a:r>
           </a:p>
         </p:txBody>
@@ -42440,16 +42453,21 @@
             </a:pPr>
             <a:r>
               <a:rPr lang="it-IT" dirty="0"/>
-              <a:t>Prima di tutto viene svolto un controllo sull’ </a:t>
+              <a:t>Inizialmente, viene svolto un controllo </a:t>
             </a:r>
             <a:r>
               <a:rPr lang="it-IT" dirty="0" err="1"/>
-              <a:t>url</a:t>
+              <a:t>sull’url</a:t>
             </a:r>
             <a:r>
               <a:rPr lang="it-IT" dirty="0"/>
-              <a:t> in modo che nella richiesta venga specificato, altrimenti viene sollevato un errore </a:t>
+              <a:t> in modo che nella richiesta venga specificato, altrimenti viene sollevato un errore gestito dal </a:t>
             </a:r>
+            <a:r>
+              <a:rPr lang="it-IT" dirty="0" err="1"/>
+              <a:t>handler</a:t>
+            </a:r>
+            <a:endParaRPr lang="it-IT" dirty="0"/>
           </a:p>
         </p:txBody>
       </p:sp>
@@ -43838,7 +43856,7 @@
             </a:pPr>
             <a:r>
               <a:rPr lang="it-IT" dirty="0"/>
-              <a:t>Infine vengono elaborati i dati presenti su </a:t>
+              <a:t>Durante il corpo della funzione, vengono elaborati i dati presenti su </a:t>
             </a:r>
             <a:r>
               <a:rPr lang="it-IT" dirty="0" err="1"/>
@@ -43854,7 +43872,7 @@
             </a:r>
             <a:r>
               <a:rPr lang="it-IT" dirty="0"/>
-              <a:t> (relativo ad un video </a:t>
+              <a:t>, relativo ad un video </a:t>
             </a:r>
             <a:r>
               <a:rPr lang="it-IT" dirty="0" err="1"/>
@@ -43862,7 +43880,7 @@
             </a:r>
             <a:r>
               <a:rPr lang="it-IT" dirty="0"/>
-              <a:t>) la serie di identificativi (id) e il titolo dei video correlati</a:t>
+              <a:t>, la serie di identificativi (id) e il titolo dei video correlati</a:t>
             </a:r>
           </a:p>
         </p:txBody>
@@ -44200,7 +44218,7 @@
         <p:spPr>
           <a:xfrm>
             <a:off x="6312220" y="1949163"/>
-            <a:ext cx="2396881" cy="1587190"/>
+            <a:ext cx="2396881" cy="1667248"/>
           </a:xfrm>
           <a:prstGeom prst="rect">
             <a:avLst/>
@@ -44467,7 +44485,7 @@
             </a:pPr>
             <a:r>
               <a:rPr lang="it-IT" dirty="0"/>
-              <a:t>In questo modo vengono specificati gli attributi che vogliono  essere considerati nella risposta della funzione:</a:t>
+              <a:t>Con questa tecnica, vengono specificati gli attributi che vogliono  essere considerati nella risposta della funzione:</a:t>
             </a:r>
           </a:p>
           <a:p>
@@ -44483,7 +44501,7 @@
             </a:pPr>
             <a:r>
               <a:rPr lang="it-IT" dirty="0"/>
-              <a:t>( 0 ) : non considerato</a:t>
+              <a:t>(0) : non considerato</a:t>
             </a:r>
           </a:p>
           <a:p>
@@ -44493,7 +44511,7 @@
             </a:pPr>
             <a:r>
               <a:rPr lang="it-IT" dirty="0"/>
-              <a:t>( 1 ) : considerato </a:t>
+              <a:t>(1) : considerato </a:t>
             </a:r>
           </a:p>
         </p:txBody>
@@ -44516,7 +44534,7 @@
         <p:spPr>
           <a:xfrm>
             <a:off x="5300546" y="2118732"/>
-            <a:ext cx="1011674" cy="624026"/>
+            <a:ext cx="1011674" cy="664055"/>
           </a:xfrm>
           <a:prstGeom prst="curvedConnector3">
             <a:avLst>
@@ -45011,7 +45029,7 @@
             </a:pPr>
             <a:r>
               <a:rPr lang="it-IT" dirty="0"/>
-              <a:t>La seconda Funzione Lambda che si è scelto di implementare ( </a:t>
+              <a:t>La seconda Funzione Lambda che si è scelto di implementare (</a:t>
             </a:r>
             <a:r>
               <a:rPr lang="it-IT" sz="1200" dirty="0" err="1">
@@ -45023,7 +45041,7 @@
               <a:rPr lang="it-IT" sz="1200" dirty="0">
                 <a:latin typeface="Manrope SemiBold" panose="020B0604020202020204" charset="0"/>
               </a:rPr>
-              <a:t> ) permette di selezionare Talk </a:t>
+              <a:t>) permette di selezionare Talk </a:t>
             </a:r>
             <a:r>
               <a:rPr lang="it-IT" sz="1200" dirty="0" err="1">
@@ -45430,7 +45448,7 @@
                 </a:solidFill>
                 <a:latin typeface="Montserrat" panose="00000500000000000000" pitchFamily="2" charset="0"/>
               </a:rPr>
-              <a:t>La connessione al database è la stessa descritta per la prima Lambda </a:t>
+              <a:t>La connessione al database è la stessa descritta nella prima Lambda </a:t>
             </a:r>
             <a:r>
               <a:rPr lang="it-IT" dirty="0" err="1">
@@ -46077,7 +46095,7 @@
             </a:r>
             <a:r>
               <a:rPr lang="it-IT" dirty="0"/>
-              <a:t> viene mappato su attributi specifici, vengono selezionati, quindi, solo gli attributi utili ai fini del progetto</a:t>
+              <a:t> viene mappato su attributi specifici e vengono selezionati solo gli attributi utili ai fini del progetto</a:t>
             </a:r>
           </a:p>
         </p:txBody>
@@ -46480,8 +46498,8 @@
         </p:nvSpPr>
         <p:spPr>
           <a:xfrm>
-            <a:off x="6081761" y="2224226"/>
-            <a:ext cx="2073497" cy="1425011"/>
+            <a:off x="6081761" y="2224225"/>
+            <a:ext cx="2073497" cy="1655797"/>
           </a:xfrm>
           <a:prstGeom prst="rect">
             <a:avLst/>
@@ -46748,7 +46766,7 @@
             </a:pPr>
             <a:r>
               <a:rPr lang="it-IT" dirty="0"/>
-              <a:t>Importante, in questo caso fare un controllo su tag e tag1.</a:t>
+              <a:t>In questo caso, </a:t>
             </a:r>
           </a:p>
           <a:p>
@@ -46757,8 +46775,22 @@
             </a:pPr>
             <a:r>
               <a:rPr lang="it-IT" dirty="0"/>
-              <a:t>Se almeno uno dei due non è specificato, viene sollevato un errore</a:t>
+              <a:t>è importante fare un controllo su tag e tag1:</a:t>
             </a:r>
+          </a:p>
+          <a:p>
+            <a:pPr marL="152400" indent="0">
+              <a:buNone/>
+            </a:pPr>
+            <a:r>
+              <a:rPr lang="it-IT" dirty="0"/>
+              <a:t>se almeno uno dei due non è specificato, viene sollevato un errore gestito </a:t>
+            </a:r>
+            <a:r>
+              <a:rPr lang="it-IT" dirty="0" err="1"/>
+              <a:t>dall’handler</a:t>
+            </a:r>
+            <a:endParaRPr lang="it-IT" dirty="0"/>
           </a:p>
         </p:txBody>
       </p:sp>
@@ -46779,8 +46811,8 @@
         </p:nvCxnSpPr>
         <p:spPr>
           <a:xfrm rot="16200000" flipH="1">
-            <a:off x="5282153" y="2137124"/>
-            <a:ext cx="818000" cy="781216"/>
+            <a:off x="5224456" y="2194819"/>
+            <a:ext cx="933394" cy="781216"/>
           </a:xfrm>
           <a:prstGeom prst="curvedConnector2">
             <a:avLst/>
@@ -46916,8 +46948,8 @@
         </p:nvSpPr>
         <p:spPr>
           <a:xfrm>
-            <a:off x="630790" y="817756"/>
-            <a:ext cx="6126849" cy="676507"/>
+            <a:off x="630790" y="817757"/>
+            <a:ext cx="6126849" cy="607390"/>
           </a:xfrm>
           <a:prstGeom prst="rect">
             <a:avLst/>
@@ -47184,7 +47216,7 @@
             </a:pPr>
             <a:r>
               <a:rPr lang="it-IT" dirty="0"/>
-              <a:t>Infine vengono elaborati i dati presenti su </a:t>
+              <a:t>Infine, vengono elaborati i dati presenti su </a:t>
             </a:r>
             <a:r>
               <a:rPr lang="it-IT" dirty="0" err="1"/>
@@ -47192,7 +47224,7 @@
             </a:r>
             <a:r>
               <a:rPr lang="it-IT" dirty="0"/>
-              <a:t> per ottenere i dettagli relativi ai video che corrispondono alla ricerca, in questo caso, basata su due tags</a:t>
+              <a:t> per ottenere i dettagli relativi ai video che corrispondono alla ricerca basata su due tags</a:t>
             </a:r>
           </a:p>
         </p:txBody>
@@ -47499,8 +47531,8 @@
         </p:nvSpPr>
         <p:spPr>
           <a:xfrm>
-            <a:off x="6137834" y="2081804"/>
-            <a:ext cx="2311390" cy="1107444"/>
+            <a:off x="6137834" y="2081803"/>
+            <a:ext cx="2311390" cy="1077407"/>
           </a:xfrm>
           <a:prstGeom prst="rect">
             <a:avLst/>
@@ -47767,7 +47799,7 @@
             </a:pPr>
             <a:r>
               <a:rPr lang="it-IT" dirty="0"/>
-              <a:t>In questo caso si è scelto di non visualizzare i dati relativi ai video suggeriti e l’id del video stesso</a:t>
+              <a:t>In questo caso, si è scelto di non visualizzare i dati relativi ai video suggeriti e nemmeno l’id del video stesso</a:t>
             </a:r>
           </a:p>
         </p:txBody>
@@ -47820,7 +47852,7 @@
         <p:spPr>
           <a:xfrm>
             <a:off x="4572000" y="2081804"/>
-            <a:ext cx="1565834" cy="553722"/>
+            <a:ext cx="1565834" cy="538703"/>
           </a:xfrm>
           <a:prstGeom prst="curvedConnector3">
             <a:avLst/>
@@ -47927,7 +47959,7 @@
         <p:spPr>
           <a:xfrm>
             <a:off x="571872" y="1017724"/>
-            <a:ext cx="6988655" cy="1130744"/>
+            <a:ext cx="6988655" cy="1184734"/>
           </a:xfrm>
           <a:prstGeom prst="rect">
             <a:avLst/>
@@ -48199,7 +48231,7 @@
                 </a:solidFill>
                 <a:latin typeface="Montserrat" panose="00000500000000000000" pitchFamily="2" charset="0"/>
               </a:rPr>
-              <a:t>Per concludere questa parte di progetto sono stati eseguiti una serie di test per verificare il corretto funzionamento delle Lambda </a:t>
+              <a:t>Per concludere questa parte di progetto, sono stati eseguiti una serie di test per verificare il corretto funzionamento delle Lambda </a:t>
             </a:r>
             <a:r>
               <a:rPr lang="it-IT" dirty="0" err="1">
@@ -48231,7 +48263,7 @@
                 </a:solidFill>
                 <a:latin typeface="Montserrat" panose="00000500000000000000" pitchFamily="2" charset="0"/>
               </a:rPr>
-              <a:t>Viene creata una nuova richiesta, specificando l’indirizzo Gateway ( del servizio di Amazon Api Gateway ) della relativa funzione lambda, in formato JSON e si verifica la corretta risposta del sistema</a:t>
+              <a:t>Viene creata una nuova richiesta specificando l’indirizzo Gateway (del servizio di Amazon API Gateway) della relativa funzione lambda in formato JSON e si verifica la corretta risposta del sistema</a:t>
             </a:r>
           </a:p>
         </p:txBody>
@@ -48933,7 +48965,7 @@
             </a:r>
             <a:r>
               <a:rPr lang="it-IT" dirty="0" err="1"/>
-              <a:t>url</a:t>
+              <a:t>l’url</a:t>
             </a:r>
             <a:r>
               <a:rPr lang="it-IT" dirty="0"/>
@@ -50749,16 +50781,7 @@
                 </a:solidFill>
                 <a:latin typeface="Montserrat" panose="00000500000000000000" pitchFamily="2" charset="0"/>
               </a:rPr>
-              <a:t>Iniziale difficolta nella comprensione di </a:t>
-            </a:r>
-            <a:r>
-              <a:rPr lang="it-IT" dirty="0" err="1">
-                <a:solidFill>
-                  <a:srgbClr val="252928"/>
-                </a:solidFill>
-                <a:latin typeface="Montserrat" panose="00000500000000000000" pitchFamily="2" charset="0"/>
-              </a:rPr>
-              <a:t>NodeJS</a:t>
+              <a:t>Iniziale difficolta nella comprensione di Node.JS</a:t>
             </a:r>
             <a:endParaRPr lang="it-IT" dirty="0"/>
           </a:p>
@@ -51669,7 +51692,7 @@
             </a:pPr>
             <a:r>
               <a:rPr lang="it-IT" dirty="0"/>
-              <a:t>Ampia scelta nella possibilità di sviluppo della funzioni ( le alternative sono descritte brevemente in seguito )</a:t>
+              <a:t>Ampia scelta nella possibilità di sviluppo della funzioni (le alternative sono descritte brevemente in seguito)</a:t>
             </a:r>
           </a:p>
         </p:txBody>

--- a/Progetto3.0/CommuniTEDx_3.0.pptx
+++ b/Progetto3.0/CommuniTEDx_3.0.pptx
@@ -38361,7 +38361,7 @@
         <p:spPr>
           <a:xfrm>
             <a:off x="742642" y="1870060"/>
-            <a:ext cx="6138811" cy="1969589"/>
+            <a:ext cx="6138811" cy="1629041"/>
           </a:xfrm>
           <a:prstGeom prst="rect">
             <a:avLst/>
@@ -38383,21 +38383,7 @@
             </a:pPr>
             <a:r>
               <a:rPr lang="en" sz="3200" dirty="0"/>
-              <a:t>Sviluppo delle Lambda Functions e</a:t>
-            </a:r>
-          </a:p>
-          <a:p>
-            <a:pPr marL="0" lvl="0" indent="0" algn="l" rtl="0">
-              <a:spcBef>
-                <a:spcPts val="0"/>
-              </a:spcBef>
-              <a:spcAft>
-                <a:spcPts val="0"/>
-              </a:spcAft>
-            </a:pPr>
-            <a:r>
-              <a:rPr lang="en" sz="3200" dirty="0"/>
-              <a:t>API Gateway in AWS</a:t>
+              <a:t>Sviluppo delle Lambda Functions e utilizzo API Gateway in AWS </a:t>
             </a:r>
           </a:p>
         </p:txBody>
@@ -40161,11 +40147,11 @@
             </a:r>
             <a:r>
               <a:rPr lang="it-IT" dirty="0" err="1"/>
-              <a:t>functions</a:t>
+              <a:t>Functions</a:t>
             </a:r>
             <a:r>
               <a:rPr lang="it-IT" dirty="0"/>
-              <a:t> previste nell’architettura del sistema.</a:t>
+              <a:t> previste nell’architettura del sistema .</a:t>
             </a:r>
           </a:p>
           <a:p>
@@ -40198,7 +40184,7 @@
             </a:pPr>
             <a:r>
               <a:rPr lang="it-IT" dirty="0"/>
-              <a:t>Video suggeriti (</a:t>
+              <a:t>Video suggeriti ( </a:t>
             </a:r>
             <a:r>
               <a:rPr lang="it-IT" dirty="0" err="1"/>
@@ -40222,7 +40208,7 @@
             </a:r>
             <a:r>
               <a:rPr lang="it-IT" dirty="0"/>
-              <a:t>)</a:t>
+              <a:t> )</a:t>
             </a:r>
           </a:p>
           <a:p>
@@ -40272,7 +40258,7 @@
             </a:pPr>
             <a:r>
               <a:rPr lang="it-IT" dirty="0"/>
-              <a:t>La seconda seleziona i Talk che rispettano i tags indicati dall’utente</a:t>
+              <a:t>La seconda, seleziona i Talk che rispettano i tags indicati dall’utente</a:t>
             </a:r>
           </a:p>
           <a:p>
@@ -40417,7 +40403,7 @@
                 </a:solidFill>
                 <a:latin typeface="Montserrat" panose="00000500000000000000" pitchFamily="2" charset="0"/>
               </a:rPr>
-              <a:t> (</a:t>
+              <a:t> ( </a:t>
             </a:r>
             <a:r>
               <a:rPr lang="it-IT" b="0" i="0" u="none" strike="noStrike" baseline="0" dirty="0" err="1">
@@ -40435,7 +40421,7 @@
                 </a:solidFill>
                 <a:latin typeface="Montserrat" panose="00000500000000000000" pitchFamily="2" charset="0"/>
               </a:rPr>
-              <a:t>) permette, una volta cercato un video tramite </a:t>
+              <a:t> ) permette, una volta cercato un video tramite </a:t>
             </a:r>
             <a:r>
               <a:rPr lang="it-IT" b="0" i="0" u="none" strike="noStrike" baseline="0" dirty="0" err="1">
@@ -40879,7 +40865,7 @@
                 </a:solidFill>
                 <a:latin typeface="Montserrat" panose="00000500000000000000" pitchFamily="2" charset="0"/>
               </a:rPr>
-              <a:t> (</a:t>
+              <a:t> ( </a:t>
             </a:r>
             <a:r>
               <a:rPr lang="it-IT" dirty="0" err="1">
@@ -40897,7 +40883,7 @@
                 </a:solidFill>
                 <a:latin typeface="Montserrat" panose="00000500000000000000" pitchFamily="2" charset="0"/>
               </a:rPr>
-              <a:t>) impostando come </a:t>
+              <a:t> ) impostando come </a:t>
             </a:r>
             <a:r>
               <a:rPr lang="it-IT" dirty="0" err="1">
@@ -42453,7 +42439,7 @@
             </a:pPr>
             <a:r>
               <a:rPr lang="it-IT" dirty="0"/>
-              <a:t>Inizialmente, viene svolto un controllo </a:t>
+              <a:t>Inizialmente viene svolto un controllo </a:t>
             </a:r>
             <a:r>
               <a:rPr lang="it-IT" dirty="0" err="1"/>
@@ -42461,13 +42447,8 @@
             </a:r>
             <a:r>
               <a:rPr lang="it-IT" dirty="0"/>
-              <a:t> in modo che nella richiesta venga specificato, altrimenti viene sollevato un errore gestito dal </a:t>
+              <a:t> in modo che nella richiesta venga specificato, altrimenti viene sollevato un errore gestito dall’Handler</a:t>
             </a:r>
-            <a:r>
-              <a:rPr lang="it-IT" dirty="0" err="1"/>
-              <a:t>handler</a:t>
-            </a:r>
-            <a:endParaRPr lang="it-IT" dirty="0"/>
           </a:p>
         </p:txBody>
       </p:sp>
@@ -43856,7 +43837,7 @@
             </a:pPr>
             <a:r>
               <a:rPr lang="it-IT" dirty="0"/>
-              <a:t>Durante il corpo della funzione, vengono elaborati i dati presenti su </a:t>
+              <a:t>Infine nel corpo dell’Handler vengono elaborati i dati presenti su </a:t>
             </a:r>
             <a:r>
               <a:rPr lang="it-IT" dirty="0" err="1"/>
@@ -43872,7 +43853,7 @@
             </a:r>
             <a:r>
               <a:rPr lang="it-IT" dirty="0"/>
-              <a:t>, relativo ad un video </a:t>
+              <a:t> (relativo ad un video </a:t>
             </a:r>
             <a:r>
               <a:rPr lang="it-IT" dirty="0" err="1"/>
@@ -43880,7 +43861,7 @@
             </a:r>
             <a:r>
               <a:rPr lang="it-IT" dirty="0"/>
-              <a:t>, la serie di identificativi (id) e il titolo dei video correlati</a:t>
+              <a:t>) la serie di identificativi (id) e il titolo dei video correlati</a:t>
             </a:r>
           </a:p>
         </p:txBody>
@@ -44218,7 +44199,7 @@
         <p:spPr>
           <a:xfrm>
             <a:off x="6312220" y="1949163"/>
-            <a:ext cx="2396881" cy="1667248"/>
+            <a:ext cx="2396881" cy="1587190"/>
           </a:xfrm>
           <a:prstGeom prst="rect">
             <a:avLst/>
@@ -44485,7 +44466,7 @@
             </a:pPr>
             <a:r>
               <a:rPr lang="it-IT" dirty="0"/>
-              <a:t>Con questa tecnica, vengono specificati gli attributi che vogliono  essere considerati nella risposta della funzione:</a:t>
+              <a:t>Con questa tecnica vengono specificati gli attributi che vogliono  essere considerati nella risposta della funzione:</a:t>
             </a:r>
           </a:p>
           <a:p>
@@ -44501,7 +44482,7 @@
             </a:pPr>
             <a:r>
               <a:rPr lang="it-IT" dirty="0"/>
-              <a:t>(0) : non considerato</a:t>
+              <a:t>( 0 ) : non considerato</a:t>
             </a:r>
           </a:p>
           <a:p>
@@ -44511,7 +44492,7 @@
             </a:pPr>
             <a:r>
               <a:rPr lang="it-IT" dirty="0"/>
-              <a:t>(1) : considerato </a:t>
+              <a:t>( 1 ) : considerato </a:t>
             </a:r>
           </a:p>
         </p:txBody>
@@ -44534,7 +44515,7 @@
         <p:spPr>
           <a:xfrm>
             <a:off x="5300546" y="2118732"/>
-            <a:ext cx="1011674" cy="664055"/>
+            <a:ext cx="1011674" cy="624026"/>
           </a:xfrm>
           <a:prstGeom prst="curvedConnector3">
             <a:avLst>
@@ -45029,7 +45010,7 @@
             </a:pPr>
             <a:r>
               <a:rPr lang="it-IT" dirty="0"/>
-              <a:t>La seconda Funzione Lambda che si è scelto di implementare (</a:t>
+              <a:t>La seconda Funzione Lambda che si è scelto di implementare ( </a:t>
             </a:r>
             <a:r>
               <a:rPr lang="it-IT" sz="1200" dirty="0" err="1">
@@ -45041,7 +45022,7 @@
               <a:rPr lang="it-IT" sz="1200" dirty="0">
                 <a:latin typeface="Manrope SemiBold" panose="020B0604020202020204" charset="0"/>
               </a:rPr>
-              <a:t>) permette di selezionare Talk </a:t>
+              <a:t> ) permette di selezionare Talk </a:t>
             </a:r>
             <a:r>
               <a:rPr lang="it-IT" sz="1200" dirty="0" err="1">
@@ -45448,7 +45429,7 @@
                 </a:solidFill>
                 <a:latin typeface="Montserrat" panose="00000500000000000000" pitchFamily="2" charset="0"/>
               </a:rPr>
-              <a:t>La connessione al database è la stessa descritta nella prima Lambda </a:t>
+              <a:t>La connessione al database è la stessa descritta per la prima Lambda </a:t>
             </a:r>
             <a:r>
               <a:rPr lang="it-IT" dirty="0" err="1">
@@ -45788,8 +45769,8 @@
         </p:nvSpPr>
         <p:spPr>
           <a:xfrm>
-            <a:off x="556448" y="1411324"/>
-            <a:ext cx="3063981" cy="388343"/>
+            <a:off x="556448" y="1484873"/>
+            <a:ext cx="2991424" cy="291168"/>
           </a:xfrm>
         </p:spPr>
         <p:txBody>
@@ -46095,7 +46076,7 @@
             </a:r>
             <a:r>
               <a:rPr lang="it-IT" dirty="0"/>
-              <a:t> viene mappato su attributi specifici e vengono selezionati solo gli attributi utili ai fini del progetto</a:t>
+              <a:t> viene mappato su attributi specifici, vengono selezionati, quindi, solo gli attributi utili ai fini del progetto</a:t>
             </a:r>
           </a:p>
         </p:txBody>
@@ -46498,8 +46479,8 @@
         </p:nvSpPr>
         <p:spPr>
           <a:xfrm>
-            <a:off x="6081761" y="2224225"/>
-            <a:ext cx="2073497" cy="1655797"/>
+            <a:off x="6081761" y="2224226"/>
+            <a:ext cx="2477023" cy="1425011"/>
           </a:xfrm>
           <a:prstGeom prst="rect">
             <a:avLst/>
@@ -46766,7 +46747,7 @@
             </a:pPr>
             <a:r>
               <a:rPr lang="it-IT" dirty="0"/>
-              <a:t>In questo caso, </a:t>
+              <a:t>In questo caso è importante fare un controllo su tag e tag1.</a:t>
             </a:r>
           </a:p>
           <a:p>
@@ -46775,22 +46756,8 @@
             </a:pPr>
             <a:r>
               <a:rPr lang="it-IT" dirty="0"/>
-              <a:t>è importante fare un controllo su tag e tag1:</a:t>
+              <a:t>Se almeno uno dei due non è specificato, viene sollevato e gestito un errore </a:t>
             </a:r>
-          </a:p>
-          <a:p>
-            <a:pPr marL="152400" indent="0">
-              <a:buNone/>
-            </a:pPr>
-            <a:r>
-              <a:rPr lang="it-IT" dirty="0"/>
-              <a:t>se almeno uno dei due non è specificato, viene sollevato un errore gestito </a:t>
-            </a:r>
-            <a:r>
-              <a:rPr lang="it-IT" dirty="0" err="1"/>
-              <a:t>dall’handler</a:t>
-            </a:r>
-            <a:endParaRPr lang="it-IT" dirty="0"/>
           </a:p>
         </p:txBody>
       </p:sp>
@@ -46811,8 +46778,8 @@
         </p:nvCxnSpPr>
         <p:spPr>
           <a:xfrm rot="16200000" flipH="1">
-            <a:off x="5224456" y="2194819"/>
-            <a:ext cx="933394" cy="781216"/>
+            <a:off x="5282153" y="2137124"/>
+            <a:ext cx="818000" cy="781216"/>
           </a:xfrm>
           <a:prstGeom prst="curvedConnector2">
             <a:avLst/>
@@ -46948,8 +46915,8 @@
         </p:nvSpPr>
         <p:spPr>
           <a:xfrm>
-            <a:off x="630790" y="817757"/>
-            <a:ext cx="6126849" cy="607390"/>
+            <a:off x="630790" y="817756"/>
+            <a:ext cx="6660026" cy="676507"/>
           </a:xfrm>
           <a:prstGeom prst="rect">
             <a:avLst/>
@@ -47216,7 +47183,7 @@
             </a:pPr>
             <a:r>
               <a:rPr lang="it-IT" dirty="0"/>
-              <a:t>Infine, vengono elaborati i dati presenti su </a:t>
+              <a:t>Infine vengono elaborati i dati presenti su </a:t>
             </a:r>
             <a:r>
               <a:rPr lang="it-IT" dirty="0" err="1"/>
@@ -47224,7 +47191,7 @@
             </a:r>
             <a:r>
               <a:rPr lang="it-IT" dirty="0"/>
-              <a:t> per ottenere i dettagli relativi ai video che corrispondono alla ricerca basata su due tags</a:t>
+              <a:t> per ottenere i dettagli relativi ai video che corrispondono alla ricerca, in questo caso, basata su due tags</a:t>
             </a:r>
           </a:p>
         </p:txBody>
@@ -47531,8 +47498,8 @@
         </p:nvSpPr>
         <p:spPr>
           <a:xfrm>
-            <a:off x="6137834" y="2081803"/>
-            <a:ext cx="2311390" cy="1077407"/>
+            <a:off x="6137834" y="2081804"/>
+            <a:ext cx="2311390" cy="1107444"/>
           </a:xfrm>
           <a:prstGeom prst="rect">
             <a:avLst/>
@@ -47799,7 +47766,7 @@
             </a:pPr>
             <a:r>
               <a:rPr lang="it-IT" dirty="0"/>
-              <a:t>In questo caso, si è scelto di non visualizzare i dati relativi ai video suggeriti e nemmeno l’id del video stesso</a:t>
+              <a:t>Si è scelto di non visualizzare i dati relativi ai video suggeriti e nemmeno l’id del video stesso</a:t>
             </a:r>
           </a:p>
         </p:txBody>
@@ -47852,7 +47819,7 @@
         <p:spPr>
           <a:xfrm>
             <a:off x="4572000" y="2081804"/>
-            <a:ext cx="1565834" cy="538703"/>
+            <a:ext cx="1565834" cy="553722"/>
           </a:xfrm>
           <a:prstGeom prst="curvedConnector3">
             <a:avLst/>
@@ -47959,7 +47926,7 @@
         <p:spPr>
           <a:xfrm>
             <a:off x="571872" y="1017724"/>
-            <a:ext cx="6988655" cy="1184734"/>
+            <a:ext cx="6988655" cy="1130744"/>
           </a:xfrm>
           <a:prstGeom prst="rect">
             <a:avLst/>
@@ -48231,7 +48198,7 @@
                 </a:solidFill>
                 <a:latin typeface="Montserrat" panose="00000500000000000000" pitchFamily="2" charset="0"/>
               </a:rPr>
-              <a:t>Per concludere questa parte di progetto, sono stati eseguiti una serie di test per verificare il corretto funzionamento delle Lambda </a:t>
+              <a:t>Per concludere questa parte di progetto sono stati eseguiti una serie di test per verificare il corretto funzionamento delle Lambda </a:t>
             </a:r>
             <a:r>
               <a:rPr lang="it-IT" dirty="0" err="1">
@@ -48263,7 +48230,7 @@
                 </a:solidFill>
                 <a:latin typeface="Montserrat" panose="00000500000000000000" pitchFamily="2" charset="0"/>
               </a:rPr>
-              <a:t>Viene creata una nuova richiesta specificando l’indirizzo Gateway (del servizio di Amazon API Gateway) della relativa funzione lambda in formato JSON e si verifica la corretta risposta del sistema</a:t>
+              <a:t>Viene creata una nuova richiesta, specificando l’indirizzo Gateway ( del servizio di Amazon Api Gateway ) della relativa funzione lambda, in formato JSON e si verifica la corretta risposta del sistema</a:t>
             </a:r>
           </a:p>
         </p:txBody>
@@ -48965,7 +48932,7 @@
             </a:r>
             <a:r>
               <a:rPr lang="it-IT" dirty="0" err="1"/>
-              <a:t>l’url</a:t>
+              <a:t>url</a:t>
             </a:r>
             <a:r>
               <a:rPr lang="it-IT" dirty="0"/>
@@ -50781,7 +50748,16 @@
                 </a:solidFill>
                 <a:latin typeface="Montserrat" panose="00000500000000000000" pitchFamily="2" charset="0"/>
               </a:rPr>
-              <a:t>Iniziale difficolta nella comprensione di Node.JS</a:t>
+              <a:t>Iniziale difficolta nella comprensione di </a:t>
+            </a:r>
+            <a:r>
+              <a:rPr lang="it-IT" dirty="0" err="1">
+                <a:solidFill>
+                  <a:srgbClr val="252928"/>
+                </a:solidFill>
+                <a:latin typeface="Montserrat" panose="00000500000000000000" pitchFamily="2" charset="0"/>
+              </a:rPr>
+              <a:t>NodeJS</a:t>
             </a:r>
             <a:endParaRPr lang="it-IT" dirty="0"/>
           </a:p>
@@ -51692,7 +51668,7 @@
             </a:pPr>
             <a:r>
               <a:rPr lang="it-IT" dirty="0"/>
-              <a:t>Ampia scelta nella possibilità di sviluppo della funzioni (le alternative sono descritte brevemente in seguito)</a:t>
+              <a:t>Ampia scelta nella possibilità di sviluppo della funzioni ( le alternative sono descritte brevemente in seguito )</a:t>
             </a:r>
           </a:p>
         </p:txBody>
